--- a/sd/qa/unit/data/pptx/fill-color-list.pptx
+++ b/sd/qa/unit/data/pptx/fill-color-list.pptx
@@ -7,7 +7,7 @@
   <p:sldIdLst>
     <p:sldId id="256" r:id="rId2"/>
   </p:sldIdLst>
-  <p:sldSz cx="9144000" cy="6858000" type="screen4x3"/>
+  <p:sldSz cx="9144000" cy="5143500" type="screen16x9"/>
   <p:notesSz cx="6858000" cy="9144000"/>
   <p:defaultTextStyle>
     <a:defPPr>
@@ -1029,7 +1029,7 @@
 <file path=ppt/diagrams/data1.xml><?xml version="1.0" encoding="utf-8"?>
 <dgm:dataModel xmlns:dgm="http://schemas.openxmlformats.org/drawingml/2006/diagram" xmlns:a="http://schemas.openxmlformats.org/drawingml/2006/main">
   <dgm:ptLst>
-    <dgm:pt modelId="0" type="doc">
+    <dgm:pt modelId="{C576C5EF-D85D-43E5-A0EC-DB472C5BD003}" type="doc">
       <dgm:prSet loTypeId="urn:microsoft.com/office/officeart/2005/8/layout/hList1" loCatId="list" qsTypeId="urn:microsoft.com/office/officeart/2005/8/quickstyle/simple1" qsCatId="simple" csTypeId="urn:microsoft.com/office/officeart/2005/8/colors/colorful1#1" csCatId="colorful" phldr="1"/>
       <dgm:spPr/>
       <dgm:t>
@@ -1040,9 +1040,16 @@
         </a:p>
       </dgm:t>
     </dgm:pt>
-    <dgm:pt modelId="1">
+    <dgm:pt modelId="{C96745A2-97C7-4850-A2AB-C5435EDAAC86}">
       <dgm:prSet phldrT="[Text]" custT="1"/>
       <dgm:spPr>
+        <a:effectLst>
+          <a:outerShdw blurRad="50800" dist="38100" dir="2700000" algn="tl" rotWithShape="0">
+            <a:prstClr val="black">
+              <a:alpha val="40000"/>
+            </a:prstClr>
+          </a:outerShdw>
+        </a:effectLst>
       </dgm:spPr>
       <dgm:t>
         <a:bodyPr/>
@@ -1056,7 +1063,7 @@
         </a:p>
       </dgm:t>
     </dgm:pt>
-    <dgm:pt modelId="2" type="parTrans" cxnId="3">
+    <dgm:pt modelId="{12902428-AAF8-4A1C-84CA-13A451F67446}" type="parTrans" cxnId="{BCD0902F-45B1-465C-A3E6-A5A384C2E0E7}">
       <dgm:prSet/>
       <dgm:spPr/>
       <dgm:t>
@@ -1067,7 +1074,7 @@
         </a:p>
       </dgm:t>
     </dgm:pt>
-    <dgm:pt modelId="4" type="sibTrans" cxnId="3">
+    <dgm:pt modelId="{73D2987F-06F0-4864-B6F8-B08A62AE16CC}" type="sibTrans" cxnId="{BCD0902F-45B1-465C-A3E6-A5A384C2E0E7}">
       <dgm:prSet/>
       <dgm:spPr/>
       <dgm:t>
@@ -1078,9 +1085,16 @@
         </a:p>
       </dgm:t>
     </dgm:pt>
-    <dgm:pt modelId="5">
+    <dgm:pt modelId="{6F0C7A01-E382-4F8D-B07E-2ED7713B40C2}">
       <dgm:prSet phldrT="[Text]" custT="1"/>
       <dgm:spPr>
+        <a:effectLst>
+          <a:outerShdw blurRad="50800" dist="38100" dir="2700000" algn="tl" rotWithShape="0">
+            <a:prstClr val="black">
+              <a:alpha val="40000"/>
+            </a:prstClr>
+          </a:outerShdw>
+        </a:effectLst>
       </dgm:spPr>
       <dgm:t>
         <a:bodyPr/>
@@ -1094,7 +1108,7 @@
         </a:p>
       </dgm:t>
     </dgm:pt>
-    <dgm:pt modelId="6" type="parTrans" cxnId="7">
+    <dgm:pt modelId="{D5693E77-81C4-40B2-A4EF-3A04A40D103D}" type="parTrans" cxnId="{2DD310C6-9D19-4C25-BE0F-EEA59A2BC86B}">
       <dgm:prSet/>
       <dgm:spPr/>
       <dgm:t>
@@ -1105,7 +1119,7 @@
         </a:p>
       </dgm:t>
     </dgm:pt>
-    <dgm:pt modelId="8" type="sibTrans" cxnId="7">
+    <dgm:pt modelId="{629C6024-A9C2-44A0-95B3-2EA658870BCF}" type="sibTrans" cxnId="{2DD310C6-9D19-4C25-BE0F-EEA59A2BC86B}">
       <dgm:prSet/>
       <dgm:spPr/>
       <dgm:t>
@@ -1116,9 +1130,16 @@
         </a:p>
       </dgm:t>
     </dgm:pt>
-    <dgm:pt modelId="9">
+    <dgm:pt modelId="{3D59294D-C256-4357-B2AB-8FD8CE00CD98}">
       <dgm:prSet phldrT="[Text]" custT="1"/>
       <dgm:spPr>
+        <a:effectLst>
+          <a:outerShdw blurRad="50800" dist="38100" dir="2700000" algn="tl" rotWithShape="0">
+            <a:prstClr val="black">
+              <a:alpha val="40000"/>
+            </a:prstClr>
+          </a:outerShdw>
+        </a:effectLst>
       </dgm:spPr>
       <dgm:t>
         <a:bodyPr/>
@@ -1132,7 +1153,7 @@
         </a:p>
       </dgm:t>
     </dgm:pt>
-    <dgm:pt modelId="10" type="sibTrans" cxnId="11">
+    <dgm:pt modelId="{BEEB1209-9898-489C-85CD-83348A2DF08A}" type="sibTrans" cxnId="{0D11B99E-E0EC-4072-BE25-C30679AB0187}">
       <dgm:prSet/>
       <dgm:spPr/>
       <dgm:t>
@@ -1143,7 +1164,7 @@
         </a:p>
       </dgm:t>
     </dgm:pt>
-    <dgm:pt modelId="12" type="parTrans" cxnId="11">
+    <dgm:pt modelId="{59DAF38A-3A01-4A6C-9924-5EEFFA60EF12}" type="parTrans" cxnId="{0D11B99E-E0EC-4072-BE25-C30679AB0187}">
       <dgm:prSet/>
       <dgm:spPr/>
       <dgm:t>
@@ -1154,8 +1175,8 @@
         </a:p>
       </dgm:t>
     </dgm:pt>
-    <dgm:pt modelId="13" type="pres">
-      <dgm:prSet presAssocID="0" presName="Name0" presStyleCnt="0">
+    <dgm:pt modelId="{E69FC92E-8F7C-4F62-B51E-A55A37B41E2F}" type="pres">
+      <dgm:prSet presAssocID="{C576C5EF-D85D-43E5-A0EC-DB472C5BD003}" presName="Name0" presStyleCnt="0">
         <dgm:presLayoutVars>
           <dgm:dir/>
           <dgm:animLvl val="lvl"/>
@@ -1171,12 +1192,12 @@
         </a:p>
       </dgm:t>
     </dgm:pt>
-    <dgm:pt modelId="14" type="pres">
-      <dgm:prSet presAssocID="1" presName="composite" presStyleCnt="0"/>
+    <dgm:pt modelId="{2A349C52-168A-4B9F-AA48-2111C8BB84CA}" type="pres">
+      <dgm:prSet presAssocID="{C96745A2-97C7-4850-A2AB-C5435EDAAC86}" presName="composite" presStyleCnt="0"/>
       <dgm:spPr/>
     </dgm:pt>
-    <dgm:pt modelId="15" type="pres">
-      <dgm:prSet presAssocID="1" presName="parTx" presStyleLbl="alignNode1" presStyleIdx="0" presStyleCnt="3">
+    <dgm:pt modelId="{69ED978B-CDD8-4C5E-9BF8-A57BC83D6DD2}" type="pres">
+      <dgm:prSet presAssocID="{C96745A2-97C7-4850-A2AB-C5435EDAAC86}" presName="parTx" presStyleLbl="alignNode1" presStyleIdx="0" presStyleCnt="3">
         <dgm:presLayoutVars>
           <dgm:chMax val="0"/>
           <dgm:chPref val="0"/>
@@ -1192,25 +1213,32 @@
         </a:p>
       </dgm:t>
     </dgm:pt>
-    <dgm:pt modelId="16" type="pres">
-      <dgm:prSet presAssocID="1" presName="desTx" presStyleLbl="alignAccFollowNode1" presStyleIdx="0" presStyleCnt="3">
+    <dgm:pt modelId="{2667ABE3-4F53-4461-8D8A-0343D3C1B318}" type="pres">
+      <dgm:prSet presAssocID="{C96745A2-97C7-4850-A2AB-C5435EDAAC86}" presName="desTx" presStyleLbl="alignAccFollowNode1" presStyleIdx="0" presStyleCnt="3">
         <dgm:presLayoutVars>
           <dgm:bulletEnabled val="1"/>
         </dgm:presLayoutVars>
       </dgm:prSet>
       <dgm:spPr>
+        <a:effectLst>
+          <a:outerShdw blurRad="50800" dist="38100" dir="2700000" algn="tl" rotWithShape="0">
+            <a:prstClr val="black">
+              <a:alpha val="40000"/>
+            </a:prstClr>
+          </a:outerShdw>
+        </a:effectLst>
       </dgm:spPr>
     </dgm:pt>
-    <dgm:pt modelId="17" type="pres">
-      <dgm:prSet presAssocID="4" presName="space" presStyleCnt="0"/>
+    <dgm:pt modelId="{FD1E0301-EF5D-4922-90CC-5EAD757E19B1}" type="pres">
+      <dgm:prSet presAssocID="{73D2987F-06F0-4864-B6F8-B08A62AE16CC}" presName="space" presStyleCnt="0"/>
       <dgm:spPr/>
     </dgm:pt>
-    <dgm:pt modelId="18" type="pres">
-      <dgm:prSet presAssocID="5" presName="composite" presStyleCnt="0"/>
+    <dgm:pt modelId="{03355D62-A18D-4C05-BAFB-9CB0EA40D02F}" type="pres">
+      <dgm:prSet presAssocID="{6F0C7A01-E382-4F8D-B07E-2ED7713B40C2}" presName="composite" presStyleCnt="0"/>
       <dgm:spPr/>
     </dgm:pt>
-    <dgm:pt modelId="19" type="pres">
-      <dgm:prSet presAssocID="5" presName="parTx" presStyleLbl="alignNode1" presStyleIdx="1" presStyleCnt="3">
+    <dgm:pt modelId="{19E34F6D-FDF0-4891-8EF2-FCC873883744}" type="pres">
+      <dgm:prSet presAssocID="{6F0C7A01-E382-4F8D-B07E-2ED7713B40C2}" presName="parTx" presStyleLbl="alignNode1" presStyleIdx="1" presStyleCnt="3">
         <dgm:presLayoutVars>
           <dgm:chMax val="0"/>
           <dgm:chPref val="0"/>
@@ -1226,25 +1254,32 @@
         </a:p>
       </dgm:t>
     </dgm:pt>
-    <dgm:pt modelId="20" type="pres">
-      <dgm:prSet presAssocID="5" presName="desTx" presStyleLbl="alignAccFollowNode1" presStyleIdx="1" presStyleCnt="3">
+    <dgm:pt modelId="{B399C8A6-F844-435B-8A92-2F92534B9C7D}" type="pres">
+      <dgm:prSet presAssocID="{6F0C7A01-E382-4F8D-B07E-2ED7713B40C2}" presName="desTx" presStyleLbl="alignAccFollowNode1" presStyleIdx="1" presStyleCnt="3">
         <dgm:presLayoutVars>
           <dgm:bulletEnabled val="1"/>
         </dgm:presLayoutVars>
       </dgm:prSet>
       <dgm:spPr>
+        <a:effectLst>
+          <a:outerShdw blurRad="50800" dist="38100" dir="2700000" algn="tl" rotWithShape="0">
+            <a:prstClr val="black">
+              <a:alpha val="40000"/>
+            </a:prstClr>
+          </a:outerShdw>
+        </a:effectLst>
       </dgm:spPr>
     </dgm:pt>
-    <dgm:pt modelId="21" type="pres">
-      <dgm:prSet presAssocID="8" presName="space" presStyleCnt="0"/>
+    <dgm:pt modelId="{1A18384F-22A9-49B7-9DB9-B10F1B5C7291}" type="pres">
+      <dgm:prSet presAssocID="{629C6024-A9C2-44A0-95B3-2EA658870BCF}" presName="space" presStyleCnt="0"/>
       <dgm:spPr/>
     </dgm:pt>
-    <dgm:pt modelId="22" type="pres">
-      <dgm:prSet presAssocID="9" presName="composite" presStyleCnt="0"/>
+    <dgm:pt modelId="{8A382E2C-ED76-477E-8718-B34BCCC8789F}" type="pres">
+      <dgm:prSet presAssocID="{3D59294D-C256-4357-B2AB-8FD8CE00CD98}" presName="composite" presStyleCnt="0"/>
       <dgm:spPr/>
     </dgm:pt>
-    <dgm:pt modelId="23" type="pres">
-      <dgm:prSet presAssocID="9" presName="parTx" presStyleLbl="alignNode1" presStyleIdx="2" presStyleCnt="3">
+    <dgm:pt modelId="{E397AE12-AAC1-4DCF-A59E-33C4225BDD29}" type="pres">
+      <dgm:prSet presAssocID="{3D59294D-C256-4357-B2AB-8FD8CE00CD98}" presName="parTx" presStyleLbl="alignNode1" presStyleIdx="2" presStyleCnt="3">
         <dgm:presLayoutVars>
           <dgm:chMax val="0"/>
           <dgm:chPref val="0"/>
@@ -1260,35 +1295,42 @@
         </a:p>
       </dgm:t>
     </dgm:pt>
-    <dgm:pt modelId="24" type="pres">
-      <dgm:prSet presAssocID="9" presName="desTx" presStyleLbl="alignAccFollowNode1" presStyleIdx="2" presStyleCnt="3">
+    <dgm:pt modelId="{449A47BE-3679-482E-AE60-6FD0813610A0}" type="pres">
+      <dgm:prSet presAssocID="{3D59294D-C256-4357-B2AB-8FD8CE00CD98}" presName="desTx" presStyleLbl="alignAccFollowNode1" presStyleIdx="2" presStyleCnt="3">
         <dgm:presLayoutVars>
           <dgm:bulletEnabled val="1"/>
         </dgm:presLayoutVars>
       </dgm:prSet>
       <dgm:spPr>
+        <a:effectLst>
+          <a:outerShdw blurRad="50800" dist="38100" dir="2700000" algn="tl" rotWithShape="0">
+            <a:prstClr val="black">
+              <a:alpha val="40000"/>
+            </a:prstClr>
+          </a:outerShdw>
+        </a:effectLst>
       </dgm:spPr>
     </dgm:pt>
   </dgm:ptLst>
   <dgm:cxnLst>
-    <dgm:cxn modelId="25" type="presOf" srcId="9" destId="23" srcOrd="0" destOrd="0" presId="urn:microsoft.com/office/officeart/2005/8/layout/hList1"/>
-    <dgm:cxn modelId="26" type="presOf" srcId="1" destId="15" srcOrd="0" destOrd="0" presId="urn:microsoft.com/office/officeart/2005/8/layout/hList1"/>
-    <dgm:cxn modelId="7" srcId="0" destId="5" srcOrd="1" destOrd="0" parTransId="6" sibTransId="8"/>
-    <dgm:cxn modelId="27" type="presOf" srcId="5" destId="19" srcOrd="0" destOrd="0" presId="urn:microsoft.com/office/officeart/2005/8/layout/hList1"/>
-    <dgm:cxn modelId="11" srcId="0" destId="9" srcOrd="2" destOrd="0" parTransId="12" sibTransId="10"/>
-    <dgm:cxn modelId="3" srcId="0" destId="1" srcOrd="0" destOrd="0" parTransId="2" sibTransId="4"/>
-    <dgm:cxn modelId="28" type="presOf" srcId="0" destId="13" srcOrd="0" destOrd="0" presId="urn:microsoft.com/office/officeart/2005/8/layout/hList1"/>
-    <dgm:cxn modelId="29" type="presParOf" srcId="13" destId="14" srcOrd="0" destOrd="0" presId="urn:microsoft.com/office/officeart/2005/8/layout/hList1"/>
-    <dgm:cxn modelId="30" type="presParOf" srcId="14" destId="15" srcOrd="0" destOrd="0" presId="urn:microsoft.com/office/officeart/2005/8/layout/hList1"/>
-    <dgm:cxn modelId="31" type="presParOf" srcId="14" destId="16" srcOrd="1" destOrd="0" presId="urn:microsoft.com/office/officeart/2005/8/layout/hList1"/>
-    <dgm:cxn modelId="32" type="presParOf" srcId="13" destId="17" srcOrd="1" destOrd="0" presId="urn:microsoft.com/office/officeart/2005/8/layout/hList1"/>
-    <dgm:cxn modelId="33" type="presParOf" srcId="13" destId="18" srcOrd="2" destOrd="0" presId="urn:microsoft.com/office/officeart/2005/8/layout/hList1"/>
-    <dgm:cxn modelId="34" type="presParOf" srcId="18" destId="19" srcOrd="0" destOrd="0" presId="urn:microsoft.com/office/officeart/2005/8/layout/hList1"/>
-    <dgm:cxn modelId="35" type="presParOf" srcId="18" destId="20" srcOrd="1" destOrd="0" presId="urn:microsoft.com/office/officeart/2005/8/layout/hList1"/>
-    <dgm:cxn modelId="36" type="presParOf" srcId="13" destId="21" srcOrd="3" destOrd="0" presId="urn:microsoft.com/office/officeart/2005/8/layout/hList1"/>
-    <dgm:cxn modelId="37" type="presParOf" srcId="13" destId="22" srcOrd="4" destOrd="0" presId="urn:microsoft.com/office/officeart/2005/8/layout/hList1"/>
-    <dgm:cxn modelId="38" type="presParOf" srcId="22" destId="23" srcOrd="0" destOrd="0" presId="urn:microsoft.com/office/officeart/2005/8/layout/hList1"/>
-    <dgm:cxn modelId="39" type="presParOf" srcId="22" destId="24" srcOrd="1" destOrd="0" presId="urn:microsoft.com/office/officeart/2005/8/layout/hList1"/>
+    <dgm:cxn modelId="{5AAC555C-6BF8-4A07-B785-6D19451DB2A0}" type="presOf" srcId="{C96745A2-97C7-4850-A2AB-C5435EDAAC86}" destId="{69ED978B-CDD8-4C5E-9BF8-A57BC83D6DD2}" srcOrd="0" destOrd="0" presId="urn:microsoft.com/office/officeart/2005/8/layout/hList1"/>
+    <dgm:cxn modelId="{2DD310C6-9D19-4C25-BE0F-EEA59A2BC86B}" srcId="{C576C5EF-D85D-43E5-A0EC-DB472C5BD003}" destId="{6F0C7A01-E382-4F8D-B07E-2ED7713B40C2}" srcOrd="1" destOrd="0" parTransId="{D5693E77-81C4-40B2-A4EF-3A04A40D103D}" sibTransId="{629C6024-A9C2-44A0-95B3-2EA658870BCF}"/>
+    <dgm:cxn modelId="{CD7FF415-F962-4B44-A49C-6E89995951C9}" type="presOf" srcId="{3D59294D-C256-4357-B2AB-8FD8CE00CD98}" destId="{E397AE12-AAC1-4DCF-A59E-33C4225BDD29}" srcOrd="0" destOrd="0" presId="urn:microsoft.com/office/officeart/2005/8/layout/hList1"/>
+    <dgm:cxn modelId="{E1B81B3B-86D2-4370-98C4-C0A5DA07AACC}" type="presOf" srcId="{C576C5EF-D85D-43E5-A0EC-DB472C5BD003}" destId="{E69FC92E-8F7C-4F62-B51E-A55A37B41E2F}" srcOrd="0" destOrd="0" presId="urn:microsoft.com/office/officeart/2005/8/layout/hList1"/>
+    <dgm:cxn modelId="{34F7AB90-7997-450D-A6C9-CFEE17537C68}" type="presOf" srcId="{6F0C7A01-E382-4F8D-B07E-2ED7713B40C2}" destId="{19E34F6D-FDF0-4891-8EF2-FCC873883744}" srcOrd="0" destOrd="0" presId="urn:microsoft.com/office/officeart/2005/8/layout/hList1"/>
+    <dgm:cxn modelId="{0D11B99E-E0EC-4072-BE25-C30679AB0187}" srcId="{C576C5EF-D85D-43E5-A0EC-DB472C5BD003}" destId="{3D59294D-C256-4357-B2AB-8FD8CE00CD98}" srcOrd="2" destOrd="0" parTransId="{59DAF38A-3A01-4A6C-9924-5EEFFA60EF12}" sibTransId="{BEEB1209-9898-489C-85CD-83348A2DF08A}"/>
+    <dgm:cxn modelId="{BCD0902F-45B1-465C-A3E6-A5A384C2E0E7}" srcId="{C576C5EF-D85D-43E5-A0EC-DB472C5BD003}" destId="{C96745A2-97C7-4850-A2AB-C5435EDAAC86}" srcOrd="0" destOrd="0" parTransId="{12902428-AAF8-4A1C-84CA-13A451F67446}" sibTransId="{73D2987F-06F0-4864-B6F8-B08A62AE16CC}"/>
+    <dgm:cxn modelId="{89BC8E1E-830E-4FE5-8505-F5D7DFD4EFB8}" type="presParOf" srcId="{E69FC92E-8F7C-4F62-B51E-A55A37B41E2F}" destId="{2A349C52-168A-4B9F-AA48-2111C8BB84CA}" srcOrd="0" destOrd="0" presId="urn:microsoft.com/office/officeart/2005/8/layout/hList1"/>
+    <dgm:cxn modelId="{055A24AF-BC85-4A90-9E39-1ABF1F9A845E}" type="presParOf" srcId="{2A349C52-168A-4B9F-AA48-2111C8BB84CA}" destId="{69ED978B-CDD8-4C5E-9BF8-A57BC83D6DD2}" srcOrd="0" destOrd="0" presId="urn:microsoft.com/office/officeart/2005/8/layout/hList1"/>
+    <dgm:cxn modelId="{C1E2684D-6ECD-4604-A693-F2244E4D218F}" type="presParOf" srcId="{2A349C52-168A-4B9F-AA48-2111C8BB84CA}" destId="{2667ABE3-4F53-4461-8D8A-0343D3C1B318}" srcOrd="1" destOrd="0" presId="urn:microsoft.com/office/officeart/2005/8/layout/hList1"/>
+    <dgm:cxn modelId="{482973B7-682B-49DC-BF89-8FB3F835356C}" type="presParOf" srcId="{E69FC92E-8F7C-4F62-B51E-A55A37B41E2F}" destId="{FD1E0301-EF5D-4922-90CC-5EAD757E19B1}" srcOrd="1" destOrd="0" presId="urn:microsoft.com/office/officeart/2005/8/layout/hList1"/>
+    <dgm:cxn modelId="{81018C87-7A3E-4510-A474-8F97565D3C84}" type="presParOf" srcId="{E69FC92E-8F7C-4F62-B51E-A55A37B41E2F}" destId="{03355D62-A18D-4C05-BAFB-9CB0EA40D02F}" srcOrd="2" destOrd="0" presId="urn:microsoft.com/office/officeart/2005/8/layout/hList1"/>
+    <dgm:cxn modelId="{D977B2C4-E1B3-45FD-BDF2-ED17735ED83E}" type="presParOf" srcId="{03355D62-A18D-4C05-BAFB-9CB0EA40D02F}" destId="{19E34F6D-FDF0-4891-8EF2-FCC873883744}" srcOrd="0" destOrd="0" presId="urn:microsoft.com/office/officeart/2005/8/layout/hList1"/>
+    <dgm:cxn modelId="{E0D777B3-DA5C-4F8A-A57A-020665716078}" type="presParOf" srcId="{03355D62-A18D-4C05-BAFB-9CB0EA40D02F}" destId="{B399C8A6-F844-435B-8A92-2F92534B9C7D}" srcOrd="1" destOrd="0" presId="urn:microsoft.com/office/officeart/2005/8/layout/hList1"/>
+    <dgm:cxn modelId="{D0C8FC8F-8E5C-4E19-9222-15F7998A7D29}" type="presParOf" srcId="{E69FC92E-8F7C-4F62-B51E-A55A37B41E2F}" destId="{1A18384F-22A9-49B7-9DB9-B10F1B5C7291}" srcOrd="3" destOrd="0" presId="urn:microsoft.com/office/officeart/2005/8/layout/hList1"/>
+    <dgm:cxn modelId="{61C8795C-DDFB-4FF2-BEAE-66C17F06297C}" type="presParOf" srcId="{E69FC92E-8F7C-4F62-B51E-A55A37B41E2F}" destId="{8A382E2C-ED76-477E-8718-B34BCCC8789F}" srcOrd="4" destOrd="0" presId="urn:microsoft.com/office/officeart/2005/8/layout/hList1"/>
+    <dgm:cxn modelId="{9942106F-9B70-4315-B1EC-A49F3C237961}" type="presParOf" srcId="{8A382E2C-ED76-477E-8718-B34BCCC8789F}" destId="{E397AE12-AAC1-4DCF-A59E-33C4225BDD29}" srcOrd="0" destOrd="0" presId="urn:microsoft.com/office/officeart/2005/8/layout/hList1"/>
+    <dgm:cxn modelId="{28828D77-89FE-4401-B12C-9A1540875A8F}" type="presParOf" srcId="{8A382E2C-ED76-477E-8718-B34BCCC8789F}" destId="{449A47BE-3679-482E-AE60-6FD0813610A0}" srcOrd="1" destOrd="0" presId="urn:microsoft.com/office/officeart/2005/8/layout/hList1"/>
   </dgm:cxnLst>
   <dgm:bg/>
   <dgm:whole/>
@@ -1303,13 +1345,115 @@
     <dgm:cat type="list" pri="5000"/>
     <dgm:cat type="convert" pri="5000"/>
   </dgm:catLst>
+  <dgm:sampData>
+    <dgm:dataModel>
+      <dgm:ptLst>
+        <dgm:pt modelId="0" type="doc"/>
+        <dgm:pt modelId="1">
+          <dgm:prSet phldr="1"/>
+        </dgm:pt>
+        <dgm:pt modelId="11">
+          <dgm:prSet phldr="1"/>
+        </dgm:pt>
+        <dgm:pt modelId="12">
+          <dgm:prSet phldr="1"/>
+        </dgm:pt>
+        <dgm:pt modelId="2">
+          <dgm:prSet phldr="1"/>
+        </dgm:pt>
+        <dgm:pt modelId="21">
+          <dgm:prSet phldr="1"/>
+        </dgm:pt>
+        <dgm:pt modelId="22">
+          <dgm:prSet phldr="1"/>
+        </dgm:pt>
+        <dgm:pt modelId="3">
+          <dgm:prSet phldr="1"/>
+        </dgm:pt>
+        <dgm:pt modelId="31">
+          <dgm:prSet phldr="1"/>
+        </dgm:pt>
+        <dgm:pt modelId="32">
+          <dgm:prSet phldr="1"/>
+        </dgm:pt>
+      </dgm:ptLst>
+      <dgm:cxnLst>
+        <dgm:cxn modelId="4" srcId="0" destId="1" srcOrd="0" destOrd="0"/>
+        <dgm:cxn modelId="5" srcId="0" destId="2" srcOrd="1" destOrd="0"/>
+        <dgm:cxn modelId="6" srcId="0" destId="3" srcOrd="2" destOrd="0"/>
+        <dgm:cxn modelId="13" srcId="1" destId="11" srcOrd="0" destOrd="0"/>
+        <dgm:cxn modelId="14" srcId="1" destId="12" srcOrd="1" destOrd="0"/>
+        <dgm:cxn modelId="23" srcId="2" destId="21" srcOrd="0" destOrd="0"/>
+        <dgm:cxn modelId="24" srcId="2" destId="22" srcOrd="1" destOrd="0"/>
+        <dgm:cxn modelId="33" srcId="3" destId="31" srcOrd="0" destOrd="0"/>
+        <dgm:cxn modelId="34" srcId="3" destId="32" srcOrd="1" destOrd="0"/>
+      </dgm:cxnLst>
+      <dgm:bg/>
+      <dgm:whole/>
+    </dgm:dataModel>
+  </dgm:sampData>
+  <dgm:styleData>
+    <dgm:dataModel>
+      <dgm:ptLst>
+        <dgm:pt modelId="0" type="doc"/>
+        <dgm:pt modelId="1">
+          <dgm:prSet phldr="1"/>
+        </dgm:pt>
+        <dgm:pt modelId="2">
+          <dgm:prSet phldr="1"/>
+        </dgm:pt>
+      </dgm:ptLst>
+      <dgm:cxnLst>
+        <dgm:cxn modelId="3" srcId="0" destId="1" srcOrd="0" destOrd="0"/>
+        <dgm:cxn modelId="4" srcId="0" destId="2" srcOrd="1" destOrd="0"/>
+      </dgm:cxnLst>
+      <dgm:bg/>
+      <dgm:whole/>
+    </dgm:dataModel>
+  </dgm:styleData>
+  <dgm:clrData>
+    <dgm:dataModel>
+      <dgm:ptLst>
+        <dgm:pt modelId="0" type="doc"/>
+        <dgm:pt modelId="1">
+          <dgm:prSet phldr="1"/>
+        </dgm:pt>
+        <dgm:pt modelId="2">
+          <dgm:prSet phldr="1"/>
+        </dgm:pt>
+        <dgm:pt modelId="3">
+          <dgm:prSet phldr="1"/>
+        </dgm:pt>
+        <dgm:pt modelId="4">
+          <dgm:prSet phldr="1"/>
+        </dgm:pt>
+      </dgm:ptLst>
+      <dgm:cxnLst>
+        <dgm:cxn modelId="5" srcId="0" destId="1" srcOrd="0" destOrd="0"/>
+        <dgm:cxn modelId="6" srcId="0" destId="2" srcOrd="1" destOrd="0"/>
+        <dgm:cxn modelId="7" srcId="0" destId="3" srcOrd="2" destOrd="0"/>
+        <dgm:cxn modelId="8" srcId="0" destId="4" srcOrd="3" destOrd="0"/>
+      </dgm:cxnLst>
+      <dgm:bg/>
+      <dgm:whole/>
+    </dgm:dataModel>
+  </dgm:clrData>
   <dgm:layoutNode name="Name0">
     <dgm:varLst>
       <dgm:dir/>
       <dgm:animLvl val="lvl"/>
       <dgm:resizeHandles val="exact"/>
     </dgm:varLst>
-    <dgm:alg type="lin"/>
+    <dgm:choose name="Name1">
+      <dgm:if name="Name2" func="var" arg="dir" op="equ" val="norm">
+        <dgm:alg type="lin"/>
+      </dgm:if>
+      <dgm:else name="Name3">
+        <dgm:alg type="lin">
+          <dgm:param type="linDir" val="fromR"/>
+        </dgm:alg>
+      </dgm:else>
+    </dgm:choose>
     <dgm:shape xmlns:r="http://schemas.openxmlformats.org/officeDocument/2006/relationships" r:blip="">
       <dgm:adjLst/>
     </dgm:shape>
@@ -1319,8 +1463,12 @@
       <dgm:constr type="w" for="ch" forName="composite" refType="w"/>
       <dgm:constr type="w" for="des" forName="parTx"/>
       <dgm:constr type="h" for="des" forName="parTx" op="equ"/>
+      <dgm:constr type="w" for="des" forName="desTx"/>
+      <dgm:constr type="h" for="des" forName="desTx" op="equ"/>
       <dgm:constr type="primFontSz" for="des" forName="parTx" val="65"/>
+      <dgm:constr type="secFontSz" for="des" forName="desTx" refType="primFontSz" refFor="des" refForName="parTx" op="equ"/>
       <dgm:constr type="h" for="des" forName="parTx" refType="primFontSz" refFor="des" refForName="parTx" fact="0.8"/>
+      <dgm:constr type="h" for="des" forName="desTx" refType="primFontSz" refFor="des" refForName="parTx" fact="1.22"/>
       <dgm:constr type="w" for="ch" forName="space" refType="w" refFor="ch" refForName="composite" op="equ" fact="0.14"/>
     </dgm:constrLst>
     <dgm:ruleLst>
@@ -1338,6 +1486,9 @@
           <dgm:constr type="l" for="ch" forName="parTx"/>
           <dgm:constr type="w" for="ch" forName="parTx" refType="w"/>
           <dgm:constr type="t" for="ch" forName="parTx"/>
+          <dgm:constr type="l" for="ch" forName="desTx"/>
+          <dgm:constr type="w" for="ch" forName="desTx" refType="w" refFor="ch" refForName="parTx"/>
+          <dgm:constr type="t" for="ch" forName="desTx" refType="h" refFor="ch" refForName="parTx"/>
         </dgm:constrLst>
         <dgm:ruleLst>
           <dgm:rule type="h" val="INF" fact="NaN" max="NaN"/>
@@ -1356,12 +1507,48 @@
           <dgm:constrLst>
             <dgm:constr type="h" refType="w" op="lte" fact="0.4"/>
             <dgm:constr type="h"/>
+            <dgm:constr type="tMarg" refType="primFontSz" fact="0.32"/>
+            <dgm:constr type="bMarg" refType="primFontSz" fact="0.32"/>
+          </dgm:constrLst>
+          <dgm:ruleLst>
+            <dgm:rule type="h" val="INF" fact="NaN" max="NaN"/>
+          </dgm:ruleLst>
+        </dgm:layoutNode>
+        <dgm:layoutNode name="desTx" styleLbl="alignAccFollowNode1">
+          <dgm:varLst>
+            <dgm:bulletEnabled val="1"/>
+          </dgm:varLst>
+          <dgm:alg type="tx">
+            <dgm:param type="stBulletLvl" val="1"/>
+          </dgm:alg>
+          <dgm:shape xmlns:r="http://schemas.openxmlformats.org/officeDocument/2006/relationships" type="rect" r:blip="">
+            <dgm:adjLst/>
+          </dgm:shape>
+          <dgm:presOf axis="des" ptType="node"/>
+          <dgm:constrLst>
+            <dgm:constr type="secFontSz" val="65"/>
+            <dgm:constr type="primFontSz" refType="secFontSz"/>
+            <dgm:constr type="h"/>
+            <dgm:constr type="lMarg" refType="primFontSz" fact="0.42"/>
+            <dgm:constr type="tMarg" refType="primFontSz" fact="0.42"/>
+            <dgm:constr type="bMarg" refType="primFontSz" fact="0.63"/>
           </dgm:constrLst>
           <dgm:ruleLst>
             <dgm:rule type="h" val="INF" fact="NaN" max="NaN"/>
           </dgm:ruleLst>
         </dgm:layoutNode>
       </dgm:layoutNode>
+      <dgm:forEach name="Name5" axis="followSib" ptType="sibTrans" cnt="1">
+        <dgm:layoutNode name="space">
+          <dgm:alg type="sp"/>
+          <dgm:shape xmlns:r="http://schemas.openxmlformats.org/officeDocument/2006/relationships" r:blip="">
+            <dgm:adjLst/>
+          </dgm:shape>
+          <dgm:presOf/>
+          <dgm:constrLst/>
+          <dgm:ruleLst/>
+        </dgm:layoutNode>
+      </dgm:forEach>
     </dgm:forEach>
   </dgm:layoutNode>
 </dgm:layoutDef>
@@ -2430,8 +2617,8 @@
         </p:nvSpPr>
         <p:spPr>
           <a:xfrm>
-            <a:off x="685800" y="2130426"/>
-            <a:ext cx="7772400" cy="1470025"/>
+            <a:off x="685800" y="1597819"/>
+            <a:ext cx="7772400" cy="1102519"/>
           </a:xfrm>
         </p:spPr>
         <p:txBody>
@@ -2458,8 +2645,8 @@
         </p:nvSpPr>
         <p:spPr>
           <a:xfrm>
-            <a:off x="1371600" y="3886200"/>
-            <a:ext cx="6400800" cy="1752600"/>
+            <a:off x="1371600" y="2914650"/>
+            <a:ext cx="6400800" cy="1314450"/>
           </a:xfrm>
         </p:spPr>
         <p:txBody>
@@ -2580,10 +2767,9 @@
           <a:bodyPr/>
           <a:lstStyle/>
           <a:p>
-            <a:fld id="{91976DD6-125F-4A10-B37B-8F3BD900C8E0}" type="datetimeFigureOut">
-              <a:rPr lang="en-US" smtClean="0"/>
-              <a:pPr/>
-              <a:t>5/22/2020</a:t>
+            <a:fld id="{85738585-4D95-44C5-B52A-AE4ABB327096}" type="datetimeFigureOut">
+              <a:rPr lang="en-US" smtClean="0"/>
+              <a:t>5/26/2020</a:t>
             </a:fld>
             <a:endParaRPr lang="en-US"/>
           </a:p>
@@ -2623,9 +2809,8 @@
           <a:bodyPr/>
           <a:lstStyle/>
           <a:p>
-            <a:fld id="{A2CDC55C-8CF5-4AFB-90F5-EB03815E7039}" type="slidenum">
-              <a:rPr lang="en-US" smtClean="0"/>
-              <a:pPr/>
+            <a:fld id="{026D27CE-E7D1-491D-BC78-374EAF403D31}" type="slidenum">
+              <a:rPr lang="en-US" smtClean="0"/>
               <a:t>‹#›</a:t>
             </a:fld>
             <a:endParaRPr lang="en-US"/>
@@ -2747,10 +2932,9 @@
           <a:bodyPr/>
           <a:lstStyle/>
           <a:p>
-            <a:fld id="{91976DD6-125F-4A10-B37B-8F3BD900C8E0}" type="datetimeFigureOut">
-              <a:rPr lang="en-US" smtClean="0"/>
-              <a:pPr/>
-              <a:t>5/22/2020</a:t>
+            <a:fld id="{85738585-4D95-44C5-B52A-AE4ABB327096}" type="datetimeFigureOut">
+              <a:rPr lang="en-US" smtClean="0"/>
+              <a:t>5/26/2020</a:t>
             </a:fld>
             <a:endParaRPr lang="en-US"/>
           </a:p>
@@ -2790,9 +2974,8 @@
           <a:bodyPr/>
           <a:lstStyle/>
           <a:p>
-            <a:fld id="{A2CDC55C-8CF5-4AFB-90F5-EB03815E7039}" type="slidenum">
-              <a:rPr lang="en-US" smtClean="0"/>
-              <a:pPr/>
+            <a:fld id="{026D27CE-E7D1-491D-BC78-374EAF403D31}" type="slidenum">
+              <a:rPr lang="en-US" smtClean="0"/>
               <a:t>‹#›</a:t>
             </a:fld>
             <a:endParaRPr lang="en-US"/>
@@ -2836,8 +3019,8 @@
         </p:nvSpPr>
         <p:spPr>
           <a:xfrm>
-            <a:off x="6629400" y="206375"/>
-            <a:ext cx="2057400" cy="4387851"/>
+            <a:off x="6629400" y="154781"/>
+            <a:ext cx="2057400" cy="3290888"/>
           </a:xfrm>
         </p:spPr>
         <p:txBody>
@@ -2864,8 +3047,8 @@
         </p:nvSpPr>
         <p:spPr>
           <a:xfrm>
-            <a:off x="457200" y="206375"/>
-            <a:ext cx="6019800" cy="4387851"/>
+            <a:off x="457200" y="154781"/>
+            <a:ext cx="6019800" cy="3290888"/>
           </a:xfrm>
         </p:spPr>
         <p:txBody>
@@ -2924,10 +3107,9 @@
           <a:bodyPr/>
           <a:lstStyle/>
           <a:p>
-            <a:fld id="{91976DD6-125F-4A10-B37B-8F3BD900C8E0}" type="datetimeFigureOut">
-              <a:rPr lang="en-US" smtClean="0"/>
-              <a:pPr/>
-              <a:t>5/22/2020</a:t>
+            <a:fld id="{85738585-4D95-44C5-B52A-AE4ABB327096}" type="datetimeFigureOut">
+              <a:rPr lang="en-US" smtClean="0"/>
+              <a:t>5/26/2020</a:t>
             </a:fld>
             <a:endParaRPr lang="en-US"/>
           </a:p>
@@ -2967,9 +3149,8 @@
           <a:bodyPr/>
           <a:lstStyle/>
           <a:p>
-            <a:fld id="{A2CDC55C-8CF5-4AFB-90F5-EB03815E7039}" type="slidenum">
-              <a:rPr lang="en-US" smtClean="0"/>
-              <a:pPr/>
+            <a:fld id="{026D27CE-E7D1-491D-BC78-374EAF403D31}" type="slidenum">
+              <a:rPr lang="en-US" smtClean="0"/>
               <a:t>‹#›</a:t>
             </a:fld>
             <a:endParaRPr lang="en-US"/>
@@ -3091,10 +3272,9 @@
           <a:bodyPr/>
           <a:lstStyle/>
           <a:p>
-            <a:fld id="{91976DD6-125F-4A10-B37B-8F3BD900C8E0}" type="datetimeFigureOut">
-              <a:rPr lang="en-US" smtClean="0"/>
-              <a:pPr/>
-              <a:t>5/22/2020</a:t>
+            <a:fld id="{85738585-4D95-44C5-B52A-AE4ABB327096}" type="datetimeFigureOut">
+              <a:rPr lang="en-US" smtClean="0"/>
+              <a:t>5/26/2020</a:t>
             </a:fld>
             <a:endParaRPr lang="en-US"/>
           </a:p>
@@ -3134,9 +3314,8 @@
           <a:bodyPr/>
           <a:lstStyle/>
           <a:p>
-            <a:fld id="{A2CDC55C-8CF5-4AFB-90F5-EB03815E7039}" type="slidenum">
-              <a:rPr lang="en-US" smtClean="0"/>
-              <a:pPr/>
+            <a:fld id="{026D27CE-E7D1-491D-BC78-374EAF403D31}" type="slidenum">
+              <a:rPr lang="en-US" smtClean="0"/>
               <a:t>‹#›</a:t>
             </a:fld>
             <a:endParaRPr lang="en-US"/>
@@ -3180,8 +3359,8 @@
         </p:nvSpPr>
         <p:spPr>
           <a:xfrm>
-            <a:off x="722313" y="4406901"/>
-            <a:ext cx="7772400" cy="1362075"/>
+            <a:off x="722313" y="3305176"/>
+            <a:ext cx="7772400" cy="1021556"/>
           </a:xfrm>
         </p:spPr>
         <p:txBody>
@@ -3212,8 +3391,8 @@
         </p:nvSpPr>
         <p:spPr>
           <a:xfrm>
-            <a:off x="722313" y="2906713"/>
-            <a:ext cx="7772400" cy="1500187"/>
+            <a:off x="722313" y="2180035"/>
+            <a:ext cx="7772400" cy="1125140"/>
           </a:xfrm>
         </p:spPr>
         <p:txBody>
@@ -3334,10 +3513,9 @@
           <a:bodyPr/>
           <a:lstStyle/>
           <a:p>
-            <a:fld id="{91976DD6-125F-4A10-B37B-8F3BD900C8E0}" type="datetimeFigureOut">
-              <a:rPr lang="en-US" smtClean="0"/>
-              <a:pPr/>
-              <a:t>5/22/2020</a:t>
+            <a:fld id="{85738585-4D95-44C5-B52A-AE4ABB327096}" type="datetimeFigureOut">
+              <a:rPr lang="en-US" smtClean="0"/>
+              <a:t>5/26/2020</a:t>
             </a:fld>
             <a:endParaRPr lang="en-US"/>
           </a:p>
@@ -3377,9 +3555,8 @@
           <a:bodyPr/>
           <a:lstStyle/>
           <a:p>
-            <a:fld id="{A2CDC55C-8CF5-4AFB-90F5-EB03815E7039}" type="slidenum">
-              <a:rPr lang="en-US" smtClean="0"/>
-              <a:pPr/>
+            <a:fld id="{026D27CE-E7D1-491D-BC78-374EAF403D31}" type="slidenum">
+              <a:rPr lang="en-US" smtClean="0"/>
               <a:t>‹#›</a:t>
             </a:fld>
             <a:endParaRPr lang="en-US"/>
@@ -3446,8 +3623,8 @@
         </p:nvSpPr>
         <p:spPr>
           <a:xfrm>
-            <a:off x="457200" y="1200151"/>
-            <a:ext cx="4038600" cy="3394075"/>
+            <a:off x="457200" y="900113"/>
+            <a:ext cx="4038600" cy="2545556"/>
           </a:xfrm>
         </p:spPr>
         <p:txBody>
@@ -3531,8 +3708,8 @@
         </p:nvSpPr>
         <p:spPr>
           <a:xfrm>
-            <a:off x="4648200" y="1200151"/>
-            <a:ext cx="4038600" cy="3394075"/>
+            <a:off x="4648200" y="900113"/>
+            <a:ext cx="4038600" cy="2545556"/>
           </a:xfrm>
         </p:spPr>
         <p:txBody>
@@ -3619,10 +3796,9 @@
           <a:bodyPr/>
           <a:lstStyle/>
           <a:p>
-            <a:fld id="{91976DD6-125F-4A10-B37B-8F3BD900C8E0}" type="datetimeFigureOut">
-              <a:rPr lang="en-US" smtClean="0"/>
-              <a:pPr/>
-              <a:t>5/22/2020</a:t>
+            <a:fld id="{85738585-4D95-44C5-B52A-AE4ABB327096}" type="datetimeFigureOut">
+              <a:rPr lang="en-US" smtClean="0"/>
+              <a:t>5/26/2020</a:t>
             </a:fld>
             <a:endParaRPr lang="en-US"/>
           </a:p>
@@ -3662,9 +3838,8 @@
           <a:bodyPr/>
           <a:lstStyle/>
           <a:p>
-            <a:fld id="{A2CDC55C-8CF5-4AFB-90F5-EB03815E7039}" type="slidenum">
-              <a:rPr lang="en-US" smtClean="0"/>
-              <a:pPr/>
+            <a:fld id="{026D27CE-E7D1-491D-BC78-374EAF403D31}" type="slidenum">
+              <a:rPr lang="en-US" smtClean="0"/>
               <a:t>‹#›</a:t>
             </a:fld>
             <a:endParaRPr lang="en-US"/>
@@ -3708,8 +3883,8 @@
         </p:nvSpPr>
         <p:spPr>
           <a:xfrm>
-            <a:off x="457200" y="274639"/>
-            <a:ext cx="8229600" cy="1143000"/>
+            <a:off x="457200" y="205979"/>
+            <a:ext cx="8229600" cy="857250"/>
           </a:xfrm>
         </p:spPr>
         <p:txBody>
@@ -3740,8 +3915,8 @@
         </p:nvSpPr>
         <p:spPr>
           <a:xfrm>
-            <a:off x="457200" y="1535113"/>
-            <a:ext cx="4040188" cy="639763"/>
+            <a:off x="457200" y="1151335"/>
+            <a:ext cx="4040188" cy="479822"/>
           </a:xfrm>
         </p:spPr>
         <p:txBody>
@@ -3805,8 +3980,8 @@
         </p:nvSpPr>
         <p:spPr>
           <a:xfrm>
-            <a:off x="457200" y="2174875"/>
-            <a:ext cx="4040188" cy="3951288"/>
+            <a:off x="457200" y="1631156"/>
+            <a:ext cx="4040188" cy="2963466"/>
           </a:xfrm>
         </p:spPr>
         <p:txBody>
@@ -3890,8 +4065,8 @@
         </p:nvSpPr>
         <p:spPr>
           <a:xfrm>
-            <a:off x="4645027" y="1535113"/>
-            <a:ext cx="4041775" cy="639763"/>
+            <a:off x="4645026" y="1151335"/>
+            <a:ext cx="4041775" cy="479822"/>
           </a:xfrm>
         </p:spPr>
         <p:txBody>
@@ -3955,8 +4130,8 @@
         </p:nvSpPr>
         <p:spPr>
           <a:xfrm>
-            <a:off x="4645027" y="2174875"/>
-            <a:ext cx="4041775" cy="3951288"/>
+            <a:off x="4645026" y="1631156"/>
+            <a:ext cx="4041775" cy="2963466"/>
           </a:xfrm>
         </p:spPr>
         <p:txBody>
@@ -4043,10 +4218,9 @@
           <a:bodyPr/>
           <a:lstStyle/>
           <a:p>
-            <a:fld id="{91976DD6-125F-4A10-B37B-8F3BD900C8E0}" type="datetimeFigureOut">
-              <a:rPr lang="en-US" smtClean="0"/>
-              <a:pPr/>
-              <a:t>5/22/2020</a:t>
+            <a:fld id="{85738585-4D95-44C5-B52A-AE4ABB327096}" type="datetimeFigureOut">
+              <a:rPr lang="en-US" smtClean="0"/>
+              <a:t>5/26/2020</a:t>
             </a:fld>
             <a:endParaRPr lang="en-US"/>
           </a:p>
@@ -4086,9 +4260,8 @@
           <a:bodyPr/>
           <a:lstStyle/>
           <a:p>
-            <a:fld id="{A2CDC55C-8CF5-4AFB-90F5-EB03815E7039}" type="slidenum">
-              <a:rPr lang="en-US" smtClean="0"/>
-              <a:pPr/>
+            <a:fld id="{026D27CE-E7D1-491D-BC78-374EAF403D31}" type="slidenum">
+              <a:rPr lang="en-US" smtClean="0"/>
               <a:t>‹#›</a:t>
             </a:fld>
             <a:endParaRPr lang="en-US"/>
@@ -4158,10 +4331,9 @@
           <a:bodyPr/>
           <a:lstStyle/>
           <a:p>
-            <a:fld id="{91976DD6-125F-4A10-B37B-8F3BD900C8E0}" type="datetimeFigureOut">
-              <a:rPr lang="en-US" smtClean="0"/>
-              <a:pPr/>
-              <a:t>5/22/2020</a:t>
+            <a:fld id="{85738585-4D95-44C5-B52A-AE4ABB327096}" type="datetimeFigureOut">
+              <a:rPr lang="en-US" smtClean="0"/>
+              <a:t>5/26/2020</a:t>
             </a:fld>
             <a:endParaRPr lang="en-US"/>
           </a:p>
@@ -4201,9 +4373,8 @@
           <a:bodyPr/>
           <a:lstStyle/>
           <a:p>
-            <a:fld id="{A2CDC55C-8CF5-4AFB-90F5-EB03815E7039}" type="slidenum">
-              <a:rPr lang="en-US" smtClean="0"/>
-              <a:pPr/>
+            <a:fld id="{026D27CE-E7D1-491D-BC78-374EAF403D31}" type="slidenum">
+              <a:rPr lang="en-US" smtClean="0"/>
               <a:t>‹#›</a:t>
             </a:fld>
             <a:endParaRPr lang="en-US"/>
@@ -4250,10 +4421,9 @@
           <a:bodyPr/>
           <a:lstStyle/>
           <a:p>
-            <a:fld id="{91976DD6-125F-4A10-B37B-8F3BD900C8E0}" type="datetimeFigureOut">
-              <a:rPr lang="en-US" smtClean="0"/>
-              <a:pPr/>
-              <a:t>5/22/2020</a:t>
+            <a:fld id="{85738585-4D95-44C5-B52A-AE4ABB327096}" type="datetimeFigureOut">
+              <a:rPr lang="en-US" smtClean="0"/>
+              <a:t>5/26/2020</a:t>
             </a:fld>
             <a:endParaRPr lang="en-US"/>
           </a:p>
@@ -4293,9 +4463,8 @@
           <a:bodyPr/>
           <a:lstStyle/>
           <a:p>
-            <a:fld id="{A2CDC55C-8CF5-4AFB-90F5-EB03815E7039}" type="slidenum">
-              <a:rPr lang="en-US" smtClean="0"/>
-              <a:pPr/>
+            <a:fld id="{026D27CE-E7D1-491D-BC78-374EAF403D31}" type="slidenum">
+              <a:rPr lang="en-US" smtClean="0"/>
               <a:t>‹#›</a:t>
             </a:fld>
             <a:endParaRPr lang="en-US"/>
@@ -4339,8 +4508,8 @@
         </p:nvSpPr>
         <p:spPr>
           <a:xfrm>
-            <a:off x="457202" y="273049"/>
-            <a:ext cx="3008313" cy="1162051"/>
+            <a:off x="457201" y="204787"/>
+            <a:ext cx="3008313" cy="871538"/>
           </a:xfrm>
         </p:spPr>
         <p:txBody>
@@ -4371,8 +4540,8 @@
         </p:nvSpPr>
         <p:spPr>
           <a:xfrm>
-            <a:off x="3575050" y="273052"/>
-            <a:ext cx="5111750" cy="5853113"/>
+            <a:off x="3575050" y="204788"/>
+            <a:ext cx="5111750" cy="4389835"/>
           </a:xfrm>
         </p:spPr>
         <p:txBody>
@@ -4456,8 +4625,8 @@
         </p:nvSpPr>
         <p:spPr>
           <a:xfrm>
-            <a:off x="457202" y="1435102"/>
-            <a:ext cx="3008313" cy="4691063"/>
+            <a:off x="457201" y="1076326"/>
+            <a:ext cx="3008313" cy="3518297"/>
           </a:xfrm>
         </p:spPr>
         <p:txBody>
@@ -4524,10 +4693,9 @@
           <a:bodyPr/>
           <a:lstStyle/>
           <a:p>
-            <a:fld id="{91976DD6-125F-4A10-B37B-8F3BD900C8E0}" type="datetimeFigureOut">
-              <a:rPr lang="en-US" smtClean="0"/>
-              <a:pPr/>
-              <a:t>5/22/2020</a:t>
+            <a:fld id="{85738585-4D95-44C5-B52A-AE4ABB327096}" type="datetimeFigureOut">
+              <a:rPr lang="en-US" smtClean="0"/>
+              <a:t>5/26/2020</a:t>
             </a:fld>
             <a:endParaRPr lang="en-US"/>
           </a:p>
@@ -4567,9 +4735,8 @@
           <a:bodyPr/>
           <a:lstStyle/>
           <a:p>
-            <a:fld id="{A2CDC55C-8CF5-4AFB-90F5-EB03815E7039}" type="slidenum">
-              <a:rPr lang="en-US" smtClean="0"/>
-              <a:pPr/>
+            <a:fld id="{026D27CE-E7D1-491D-BC78-374EAF403D31}" type="slidenum">
+              <a:rPr lang="en-US" smtClean="0"/>
               <a:t>‹#›</a:t>
             </a:fld>
             <a:endParaRPr lang="en-US"/>
@@ -4613,8 +4780,8 @@
         </p:nvSpPr>
         <p:spPr>
           <a:xfrm>
-            <a:off x="1792288" y="4800600"/>
-            <a:ext cx="5486400" cy="566739"/>
+            <a:off x="1792288" y="3600450"/>
+            <a:ext cx="5486400" cy="425054"/>
           </a:xfrm>
         </p:spPr>
         <p:txBody>
@@ -4645,8 +4812,8 @@
         </p:nvSpPr>
         <p:spPr>
           <a:xfrm>
-            <a:off x="1792288" y="612775"/>
-            <a:ext cx="5486400" cy="4114800"/>
+            <a:off x="1792288" y="459581"/>
+            <a:ext cx="5486400" cy="3086100"/>
           </a:xfrm>
         </p:spPr>
         <p:txBody>
@@ -4706,8 +4873,8 @@
         </p:nvSpPr>
         <p:spPr>
           <a:xfrm>
-            <a:off x="1792288" y="5367338"/>
-            <a:ext cx="5486400" cy="804863"/>
+            <a:off x="1792288" y="4025503"/>
+            <a:ext cx="5486400" cy="603647"/>
           </a:xfrm>
         </p:spPr>
         <p:txBody>
@@ -4774,10 +4941,9 @@
           <a:bodyPr/>
           <a:lstStyle/>
           <a:p>
-            <a:fld id="{91976DD6-125F-4A10-B37B-8F3BD900C8E0}" type="datetimeFigureOut">
-              <a:rPr lang="en-US" smtClean="0"/>
-              <a:pPr/>
-              <a:t>5/22/2020</a:t>
+            <a:fld id="{85738585-4D95-44C5-B52A-AE4ABB327096}" type="datetimeFigureOut">
+              <a:rPr lang="en-US" smtClean="0"/>
+              <a:t>5/26/2020</a:t>
             </a:fld>
             <a:endParaRPr lang="en-US"/>
           </a:p>
@@ -4817,9 +4983,8 @@
           <a:bodyPr/>
           <a:lstStyle/>
           <a:p>
-            <a:fld id="{A2CDC55C-8CF5-4AFB-90F5-EB03815E7039}" type="slidenum">
-              <a:rPr lang="en-US" smtClean="0"/>
-              <a:pPr/>
+            <a:fld id="{026D27CE-E7D1-491D-BC78-374EAF403D31}" type="slidenum">
+              <a:rPr lang="en-US" smtClean="0"/>
               <a:t>‹#›</a:t>
             </a:fld>
             <a:endParaRPr lang="en-US"/>
@@ -4868,8 +5033,8 @@
         </p:nvSpPr>
         <p:spPr>
           <a:xfrm>
-            <a:off x="457200" y="274639"/>
-            <a:ext cx="8229600" cy="1143000"/>
+            <a:off x="457200" y="205979"/>
+            <a:ext cx="8229600" cy="857250"/>
           </a:xfrm>
           <a:prstGeom prst="rect">
             <a:avLst/>
@@ -4901,8 +5066,8 @@
         </p:nvSpPr>
         <p:spPr>
           <a:xfrm>
-            <a:off x="457200" y="1600201"/>
-            <a:ext cx="8229600" cy="4525963"/>
+            <a:off x="457200" y="1200151"/>
+            <a:ext cx="8229600" cy="3394472"/>
           </a:xfrm>
           <a:prstGeom prst="rect">
             <a:avLst/>
@@ -4963,8 +5128,8 @@
         </p:nvSpPr>
         <p:spPr>
           <a:xfrm>
-            <a:off x="457200" y="6356351"/>
-            <a:ext cx="2133600" cy="365125"/>
+            <a:off x="457200" y="4767263"/>
+            <a:ext cx="2133600" cy="273844"/>
           </a:xfrm>
           <a:prstGeom prst="rect">
             <a:avLst/>
@@ -4984,10 +5149,9 @@
             </a:lvl1pPr>
           </a:lstStyle>
           <a:p>
-            <a:fld id="{91976DD6-125F-4A10-B37B-8F3BD900C8E0}" type="datetimeFigureOut">
-              <a:rPr lang="en-US" smtClean="0"/>
-              <a:pPr/>
-              <a:t>5/22/2020</a:t>
+            <a:fld id="{85738585-4D95-44C5-B52A-AE4ABB327096}" type="datetimeFigureOut">
+              <a:rPr lang="en-US" smtClean="0"/>
+              <a:t>5/26/2020</a:t>
             </a:fld>
             <a:endParaRPr lang="en-US"/>
           </a:p>
@@ -5005,8 +5169,8 @@
         </p:nvSpPr>
         <p:spPr>
           <a:xfrm>
-            <a:off x="3124200" y="6356351"/>
-            <a:ext cx="2895600" cy="365125"/>
+            <a:off x="3124200" y="4767263"/>
+            <a:ext cx="2895600" cy="273844"/>
           </a:xfrm>
           <a:prstGeom prst="rect">
             <a:avLst/>
@@ -5042,8 +5206,8 @@
         </p:nvSpPr>
         <p:spPr>
           <a:xfrm>
-            <a:off x="6553200" y="6356351"/>
-            <a:ext cx="2133600" cy="365125"/>
+            <a:off x="6553200" y="4767263"/>
+            <a:ext cx="2133600" cy="273844"/>
           </a:xfrm>
           <a:prstGeom prst="rect">
             <a:avLst/>
@@ -5063,9 +5227,8 @@
             </a:lvl1pPr>
           </a:lstStyle>
           <a:p>
-            <a:fld id="{A2CDC55C-8CF5-4AFB-90F5-EB03815E7039}" type="slidenum">
-              <a:rPr lang="en-US" smtClean="0"/>
-              <a:pPr/>
+            <a:fld id="{026D27CE-E7D1-491D-BC78-374EAF403D31}" type="slidenum">
+              <a:rPr lang="en-US" smtClean="0"/>
               <a:t>‹#›</a:t>
             </a:fld>
             <a:endParaRPr lang="en-US"/>
@@ -5360,14 +5523,14 @@
       </p:grpSpPr>
       <p:graphicFrame>
         <p:nvGraphicFramePr>
-          <p:cNvPr id="4" name="Diagram 3"/>
+          <p:cNvPr id="5" name="Diagram 4"/>
           <p:cNvGraphicFramePr/>
           <p:nvPr>
             <p:extLst/>
           </p:nvPr>
         </p:nvGraphicFramePr>
         <p:xfrm>
-          <a:off x="1266500" y="625577"/>
+          <a:off x="1266498" y="625577"/>
           <a:ext cx="6611007" cy="4401731"/>
         </p:xfrm>
         <a:graphic>
